--- a/TeamProject.pptx
+++ b/TeamProject.pptx
@@ -16557,8 +16557,8 @@
         </p:nvSpPr>
         <p:spPr>
           <a:xfrm>
-            <a:off x="684212" y="2393960"/>
-            <a:ext cx="10823576" cy="5371028"/>
+            <a:off x="684211" y="2393960"/>
+            <a:ext cx="11436254" cy="5371028"/>
           </a:xfrm>
         </p:spPr>
         <p:txBody>
@@ -17225,34 +17225,7 @@
                 </a:solidFill>
                 <a:latin typeface="+mn-ea"/>
               </a:rPr>
-              <a:t>콕이 스윙에 맞는 궤도를 그리면서 날라가도록 코</a:t>
-            </a:r>
-            <a:r>
-              <a:rPr lang="en-US" altLang="ko-KR" dirty="0">
-                <a:solidFill>
-                  <a:schemeClr val="tx1"/>
-                </a:solidFill>
-                <a:latin typeface="+mn-ea"/>
-              </a:rPr>
-              <a:t>							  </a:t>
-            </a:r>
-            <a:r>
-              <a:rPr lang="ko-KR" altLang="en-US" dirty="0" err="1">
-                <a:solidFill>
-                  <a:schemeClr val="tx1"/>
-                </a:solidFill>
-                <a:latin typeface="+mn-ea"/>
-              </a:rPr>
-              <a:t>드</a:t>
-            </a:r>
-            <a:r>
-              <a:rPr lang="ko-KR" altLang="en-US" dirty="0">
-                <a:solidFill>
-                  <a:schemeClr val="tx1"/>
-                </a:solidFill>
-                <a:latin typeface="+mn-ea"/>
-              </a:rPr>
-              <a:t> 추가</a:t>
+              <a:t>콕이 스윙에 맞는 궤도를 그리면서 날라가도록 코드 추가</a:t>
             </a:r>
             <a:endParaRPr lang="en-US" altLang="ko-KR" dirty="0">
               <a:solidFill>
